--- a/HW1.pptx
+++ b/HW1.pptx
@@ -12,6 +12,10 @@
     <p:sldId id="260" r:id="rId6"/>
     <p:sldId id="261" r:id="rId7"/>
     <p:sldId id="262" r:id="rId8"/>
+    <p:sldId id="263" r:id="rId9"/>
+    <p:sldId id="264" r:id="rId10"/>
+    <p:sldId id="265" r:id="rId11"/>
+    <p:sldId id="266" r:id="rId12"/>
   </p:sldIdLst>
   <p:sldSz cx="12192000" cy="6858000"/>
   <p:notesSz cx="6858000" cy="9144000"/>
@@ -110,6 +114,11 @@
       </a:defRPr>
     </a:lvl9pPr>
   </p:defaultTextStyle>
+  <p:extLst>
+    <p:ext uri="{EFAFB233-063F-42B5-8137-9DF3F51BA10A}">
+      <p15:sldGuideLst xmlns:p15="http://schemas.microsoft.com/office/powerpoint/2012/main"/>
+    </p:ext>
+  </p:extLst>
 </p:presentation>
 </file>
 
@@ -3033,6 +3042,126 @@
 </p:sld>
 </file>
 
+<file path=ppt/slides/slide10.xml><?xml version="1.0" encoding="utf-8"?>
+<p:sld xmlns:a="http://schemas.openxmlformats.org/drawingml/2006/main" xmlns:r="http://schemas.openxmlformats.org/officeDocument/2006/relationships" xmlns:p="http://schemas.openxmlformats.org/presentationml/2006/main">
+  <p:cSld>
+    <p:spTree>
+      <p:nvGrpSpPr>
+        <p:cNvPr id="1" name=""/>
+        <p:cNvGrpSpPr/>
+        <p:nvPr/>
+      </p:nvGrpSpPr>
+      <p:grpSpPr>
+        <a:xfrm>
+          <a:off x="0" y="0"/>
+          <a:ext cx="0" cy="0"/>
+          <a:chOff x="0" y="0"/>
+          <a:chExt cx="0" cy="0"/>
+        </a:xfrm>
+      </p:grpSpPr>
+      <p:sp>
+        <p:nvSpPr>
+          <p:cNvPr id="2" name="Title 1"/>
+          <p:cNvSpPr>
+            <a:spLocks noGrp="1"/>
+          </p:cNvSpPr>
+          <p:nvPr>
+            <p:ph type="title"/>
+          </p:nvPr>
+        </p:nvSpPr>
+        <p:spPr>
+          <a:xfrm>
+            <a:off x="838200" y="365125"/>
+            <a:ext cx="6136341" cy="325157"/>
+          </a:xfrm>
+        </p:spPr>
+        <p:txBody>
+          <a:bodyPr>
+            <a:noAutofit/>
+          </a:bodyPr>
+          <a:lstStyle/>
+          <a:p>
+            <a:r>
+              <a:rPr lang="en-US" altLang="zh-CN" sz="2000" dirty="0" smtClean="0"/>
+              <a:t>CEE 362G Project 1 Problem1</a:t>
+            </a:r>
+            <a:endParaRPr lang="zh-CN" altLang="en-US" sz="2000" dirty="0"/>
+          </a:p>
+        </p:txBody>
+      </p:sp>
+    </p:spTree>
+    <p:extLst>
+      <p:ext uri="{BB962C8B-B14F-4D97-AF65-F5344CB8AC3E}">
+        <p14:creationId xmlns:p14="http://schemas.microsoft.com/office/powerpoint/2010/main" val="2974348956"/>
+      </p:ext>
+    </p:extLst>
+  </p:cSld>
+  <p:clrMapOvr>
+    <a:masterClrMapping/>
+  </p:clrMapOvr>
+</p:sld>
+</file>
+
+<file path=ppt/slides/slide11.xml><?xml version="1.0" encoding="utf-8"?>
+<p:sld xmlns:a="http://schemas.openxmlformats.org/drawingml/2006/main" xmlns:r="http://schemas.openxmlformats.org/officeDocument/2006/relationships" xmlns:p="http://schemas.openxmlformats.org/presentationml/2006/main">
+  <p:cSld>
+    <p:spTree>
+      <p:nvGrpSpPr>
+        <p:cNvPr id="1" name=""/>
+        <p:cNvGrpSpPr/>
+        <p:nvPr/>
+      </p:nvGrpSpPr>
+      <p:grpSpPr>
+        <a:xfrm>
+          <a:off x="0" y="0"/>
+          <a:ext cx="0" cy="0"/>
+          <a:chOff x="0" y="0"/>
+          <a:chExt cx="0" cy="0"/>
+        </a:xfrm>
+      </p:grpSpPr>
+      <p:sp>
+        <p:nvSpPr>
+          <p:cNvPr id="2" name="Title 1"/>
+          <p:cNvSpPr>
+            <a:spLocks noGrp="1"/>
+          </p:cNvSpPr>
+          <p:nvPr>
+            <p:ph type="title"/>
+          </p:nvPr>
+        </p:nvSpPr>
+        <p:spPr>
+          <a:xfrm>
+            <a:off x="838200" y="365125"/>
+            <a:ext cx="6136341" cy="325157"/>
+          </a:xfrm>
+        </p:spPr>
+        <p:txBody>
+          <a:bodyPr>
+            <a:noAutofit/>
+          </a:bodyPr>
+          <a:lstStyle/>
+          <a:p>
+            <a:r>
+              <a:rPr lang="en-US" altLang="zh-CN" sz="2000" dirty="0" smtClean="0"/>
+              <a:t>CEE 362G Project 1 Problem1</a:t>
+            </a:r>
+            <a:endParaRPr lang="zh-CN" altLang="en-US" sz="2000" dirty="0"/>
+          </a:p>
+        </p:txBody>
+      </p:sp>
+    </p:spTree>
+    <p:extLst>
+      <p:ext uri="{BB962C8B-B14F-4D97-AF65-F5344CB8AC3E}">
+        <p14:creationId xmlns:p14="http://schemas.microsoft.com/office/powerpoint/2010/main" val="2610991580"/>
+      </p:ext>
+    </p:extLst>
+  </p:cSld>
+  <p:clrMapOvr>
+    <a:masterClrMapping/>
+  </p:clrMapOvr>
+</p:sld>
+</file>
+
 <file path=ppt/slides/slide2.xml><?xml version="1.0" encoding="utf-8"?>
 <p:sld xmlns:a="http://schemas.openxmlformats.org/drawingml/2006/main" xmlns:r="http://schemas.openxmlformats.org/officeDocument/2006/relationships" xmlns:p="http://schemas.openxmlformats.org/presentationml/2006/main">
   <p:cSld>
@@ -3760,9 +3889,125 @@
           <a:p>
             <a:r>
               <a:rPr lang="en-US" altLang="zh-CN" sz="2000" dirty="0" smtClean="0"/>
-              <a:t>CEE 362G Project 1 Problem1</a:t>
+              <a:t>CEE 362G Project 1 </a:t>
+            </a:r>
+            <a:r>
+              <a:rPr lang="en-US" altLang="zh-CN" sz="2000" dirty="0" smtClean="0"/>
+              <a:t>Problem6</a:t>
             </a:r>
             <a:endParaRPr lang="zh-CN" altLang="en-US" sz="2000" dirty="0"/>
+          </a:p>
+        </p:txBody>
+      </p:sp>
+      <p:pic>
+        <p:nvPicPr>
+          <p:cNvPr id="3" name="Picture 2"/>
+          <p:cNvPicPr/>
+          <p:nvPr/>
+        </p:nvPicPr>
+        <p:blipFill rotWithShape="1">
+          <a:blip r:embed="rId2" cstate="print">
+            <a:extLst>
+              <a:ext uri="{28A0092B-C50C-407E-A947-70E740481C1C}">
+                <a14:useLocalDpi xmlns:a14="http://schemas.microsoft.com/office/drawing/2010/main" val="0"/>
+              </a:ext>
+            </a:extLst>
+          </a:blip>
+          <a:srcRect l="9135" r="8494"/>
+          <a:stretch/>
+        </p:blipFill>
+        <p:spPr bwMode="auto">
+          <a:xfrm>
+            <a:off x="539844" y="784412"/>
+            <a:ext cx="5314110" cy="3688976"/>
+          </a:xfrm>
+          <a:prstGeom prst="rect">
+            <a:avLst/>
+          </a:prstGeom>
+          <a:ln>
+            <a:noFill/>
+          </a:ln>
+          <a:extLst>
+            <a:ext uri="{53640926-AAD7-44D8-BBD7-CCE9431645EC}">
+              <a14:shadowObscured xmlns:a14="http://schemas.microsoft.com/office/drawing/2010/main"/>
+            </a:ext>
+          </a:extLst>
+        </p:spPr>
+      </p:pic>
+      <p:pic>
+        <p:nvPicPr>
+          <p:cNvPr id="4" name="Picture 3"/>
+          <p:cNvPicPr/>
+          <p:nvPr/>
+        </p:nvPicPr>
+        <p:blipFill>
+          <a:blip r:embed="rId3" cstate="print">
+            <a:extLst>
+              <a:ext uri="{28A0092B-C50C-407E-A947-70E740481C1C}">
+                <a14:useLocalDpi xmlns:a14="http://schemas.microsoft.com/office/drawing/2010/main" val="0"/>
+              </a:ext>
+            </a:extLst>
+          </a:blip>
+          <a:stretch>
+            <a:fillRect/>
+          </a:stretch>
+        </p:blipFill>
+        <p:spPr>
+          <a:xfrm>
+            <a:off x="5934635" y="784413"/>
+            <a:ext cx="5459506" cy="3688976"/>
+          </a:xfrm>
+          <a:prstGeom prst="rect">
+            <a:avLst/>
+          </a:prstGeom>
+        </p:spPr>
+      </p:pic>
+      <p:sp>
+        <p:nvSpPr>
+          <p:cNvPr id="5" name="TextBox 4"/>
+          <p:cNvSpPr txBox="1"/>
+          <p:nvPr/>
+        </p:nvSpPr>
+        <p:spPr>
+          <a:xfrm>
+            <a:off x="2949388" y="4473388"/>
+            <a:ext cx="6562165" cy="369332"/>
+          </a:xfrm>
+          <a:prstGeom prst="rect">
+            <a:avLst/>
+          </a:prstGeom>
+          <a:noFill/>
+        </p:spPr>
+        <p:txBody>
+          <a:bodyPr wrap="square" rtlCol="0">
+            <a:spAutoFit/>
+          </a:bodyPr>
+          <a:lstStyle/>
+          <a:p>
+            <a:pPr algn="ctr"/>
+            <a:r>
+              <a:rPr lang="en-US" altLang="zh-CN" dirty="0" smtClean="0"/>
+              <a:t>Comparison between different </a:t>
+            </a:r>
+            <a:r>
+              <a:rPr lang="en-US" altLang="zh-CN" dirty="0" smtClean="0">
+                <a:latin typeface="Symbol" panose="05050102010706020507" pitchFamily="18" charset="2"/>
+              </a:rPr>
+              <a:t>s</a:t>
+            </a:r>
+            <a:r>
+              <a:rPr lang="en-US" altLang="zh-CN" dirty="0" smtClean="0"/>
+              <a:t> (left: e-3 right: </a:t>
+            </a:r>
+            <a:r>
+              <a:rPr lang="en-US" altLang="zh-CN" dirty="0" err="1" smtClean="0"/>
+              <a:t>std_y</a:t>
+            </a:r>
+            <a:r>
+              <a:rPr lang="en-US" altLang="zh-CN" dirty="0" smtClean="0"/>
+              <a:t>)</a:t>
+            </a:r>
+            <a:endParaRPr lang="zh-CN" altLang="en-US" dirty="0"/>
           </a:p>
         </p:txBody>
       </p:sp>
@@ -3770,6 +4015,251 @@
     <p:extLst>
       <p:ext uri="{BB962C8B-B14F-4D97-AF65-F5344CB8AC3E}">
         <p14:creationId xmlns:p14="http://schemas.microsoft.com/office/powerpoint/2010/main" val="4102391423"/>
+      </p:ext>
+    </p:extLst>
+  </p:cSld>
+  <p:clrMapOvr>
+    <a:masterClrMapping/>
+  </p:clrMapOvr>
+</p:sld>
+</file>
+
+<file path=ppt/slides/slide8.xml><?xml version="1.0" encoding="utf-8"?>
+<p:sld xmlns:a="http://schemas.openxmlformats.org/drawingml/2006/main" xmlns:r="http://schemas.openxmlformats.org/officeDocument/2006/relationships" xmlns:p="http://schemas.openxmlformats.org/presentationml/2006/main">
+  <p:cSld>
+    <p:spTree>
+      <p:nvGrpSpPr>
+        <p:cNvPr id="1" name=""/>
+        <p:cNvGrpSpPr/>
+        <p:nvPr/>
+      </p:nvGrpSpPr>
+      <p:grpSpPr>
+        <a:xfrm>
+          <a:off x="0" y="0"/>
+          <a:ext cx="0" cy="0"/>
+          <a:chOff x="0" y="0"/>
+          <a:chExt cx="0" cy="0"/>
+        </a:xfrm>
+      </p:grpSpPr>
+      <p:sp>
+        <p:nvSpPr>
+          <p:cNvPr id="2" name="Title 1"/>
+          <p:cNvSpPr>
+            <a:spLocks noGrp="1"/>
+          </p:cNvSpPr>
+          <p:nvPr>
+            <p:ph type="title"/>
+          </p:nvPr>
+        </p:nvSpPr>
+        <p:spPr>
+          <a:xfrm>
+            <a:off x="838200" y="365125"/>
+            <a:ext cx="6136341" cy="325157"/>
+          </a:xfrm>
+        </p:spPr>
+        <p:txBody>
+          <a:bodyPr>
+            <a:noAutofit/>
+          </a:bodyPr>
+          <a:lstStyle/>
+          <a:p>
+            <a:r>
+              <a:rPr lang="en-US" altLang="zh-CN" sz="2000" dirty="0" smtClean="0"/>
+              <a:t>CEE 362G Project 1 </a:t>
+            </a:r>
+            <a:r>
+              <a:rPr lang="en-US" altLang="zh-CN" sz="2000" dirty="0" smtClean="0"/>
+              <a:t>Problem6</a:t>
+            </a:r>
+            <a:endParaRPr lang="zh-CN" altLang="en-US" sz="2000" dirty="0"/>
+          </a:p>
+        </p:txBody>
+      </p:sp>
+      <p:pic>
+        <p:nvPicPr>
+          <p:cNvPr id="3" name="Picture 2"/>
+          <p:cNvPicPr/>
+          <p:nvPr/>
+        </p:nvPicPr>
+        <p:blipFill>
+          <a:blip r:embed="rId2" cstate="print">
+            <a:extLst>
+              <a:ext uri="{28A0092B-C50C-407E-A947-70E740481C1C}">
+                <a14:useLocalDpi xmlns:a14="http://schemas.microsoft.com/office/drawing/2010/main" val="0"/>
+              </a:ext>
+            </a:extLst>
+          </a:blip>
+          <a:stretch>
+            <a:fillRect/>
+          </a:stretch>
+        </p:blipFill>
+        <p:spPr>
+          <a:xfrm>
+            <a:off x="-103094" y="784413"/>
+            <a:ext cx="6136342" cy="3688975"/>
+          </a:xfrm>
+          <a:prstGeom prst="rect">
+            <a:avLst/>
+          </a:prstGeom>
+        </p:spPr>
+      </p:pic>
+      <p:pic>
+        <p:nvPicPr>
+          <p:cNvPr id="4" name="Picture 3"/>
+          <p:cNvPicPr/>
+          <p:nvPr/>
+        </p:nvPicPr>
+        <p:blipFill>
+          <a:blip r:embed="rId3" cstate="print">
+            <a:extLst>
+              <a:ext uri="{28A0092B-C50C-407E-A947-70E740481C1C}">
+                <a14:useLocalDpi xmlns:a14="http://schemas.microsoft.com/office/drawing/2010/main" val="0"/>
+              </a:ext>
+            </a:extLst>
+          </a:blip>
+          <a:stretch>
+            <a:fillRect/>
+          </a:stretch>
+        </p:blipFill>
+        <p:spPr>
+          <a:xfrm>
+            <a:off x="5934635" y="784413"/>
+            <a:ext cx="5459506" cy="3688976"/>
+          </a:xfrm>
+          <a:prstGeom prst="rect">
+            <a:avLst/>
+          </a:prstGeom>
+        </p:spPr>
+      </p:pic>
+      <p:sp>
+        <p:nvSpPr>
+          <p:cNvPr id="5" name="TextBox 4"/>
+          <p:cNvSpPr txBox="1"/>
+          <p:nvPr/>
+        </p:nvSpPr>
+        <p:spPr>
+          <a:xfrm>
+            <a:off x="2949388" y="4473388"/>
+            <a:ext cx="6562165" cy="369332"/>
+          </a:xfrm>
+          <a:prstGeom prst="rect">
+            <a:avLst/>
+          </a:prstGeom>
+          <a:noFill/>
+        </p:spPr>
+        <p:txBody>
+          <a:bodyPr wrap="square" rtlCol="0">
+            <a:spAutoFit/>
+          </a:bodyPr>
+          <a:lstStyle/>
+          <a:p>
+            <a:pPr algn="ctr"/>
+            <a:r>
+              <a:rPr lang="en-US" altLang="zh-CN" dirty="0" smtClean="0"/>
+              <a:t>Comparison between different </a:t>
+            </a:r>
+            <a:r>
+              <a:rPr lang="en-US" altLang="zh-CN" b="1" dirty="0">
+                <a:latin typeface="+mj-lt"/>
+              </a:rPr>
+              <a:t>R</a:t>
+            </a:r>
+            <a:r>
+              <a:rPr lang="en-US" altLang="zh-CN" dirty="0" smtClean="0"/>
+              <a:t> (left: </a:t>
+            </a:r>
+            <a:r>
+              <a:rPr lang="en-US" altLang="zh-CN" dirty="0" smtClean="0">
+                <a:latin typeface="Symbol" panose="05050102010706020507" pitchFamily="18" charset="2"/>
+              </a:rPr>
+              <a:t>s</a:t>
+            </a:r>
+            <a:r>
+              <a:rPr lang="en-US" altLang="zh-CN" dirty="0" smtClean="0"/>
+              <a:t>(v)=e-12 right: </a:t>
+            </a:r>
+            <a:r>
+              <a:rPr lang="en-US" altLang="zh-CN" dirty="0">
+                <a:latin typeface="Symbol" panose="05050102010706020507" pitchFamily="18" charset="2"/>
+              </a:rPr>
+              <a:t>s</a:t>
+            </a:r>
+            <a:r>
+              <a:rPr lang="en-US" altLang="zh-CN" dirty="0"/>
+              <a:t>(v)=</a:t>
+            </a:r>
+            <a:r>
+              <a:rPr lang="en-US" altLang="zh-CN" dirty="0" smtClean="0"/>
+              <a:t>e-1 )</a:t>
+            </a:r>
+            <a:endParaRPr lang="zh-CN" altLang="en-US" dirty="0"/>
+          </a:p>
+        </p:txBody>
+      </p:sp>
+    </p:spTree>
+    <p:extLst>
+      <p:ext uri="{BB962C8B-B14F-4D97-AF65-F5344CB8AC3E}">
+        <p14:creationId xmlns:p14="http://schemas.microsoft.com/office/powerpoint/2010/main" val="2415444255"/>
+      </p:ext>
+    </p:extLst>
+  </p:cSld>
+  <p:clrMapOvr>
+    <a:masterClrMapping/>
+  </p:clrMapOvr>
+</p:sld>
+</file>
+
+<file path=ppt/slides/slide9.xml><?xml version="1.0" encoding="utf-8"?>
+<p:sld xmlns:a="http://schemas.openxmlformats.org/drawingml/2006/main" xmlns:r="http://schemas.openxmlformats.org/officeDocument/2006/relationships" xmlns:p="http://schemas.openxmlformats.org/presentationml/2006/main">
+  <p:cSld>
+    <p:spTree>
+      <p:nvGrpSpPr>
+        <p:cNvPr id="1" name=""/>
+        <p:cNvGrpSpPr/>
+        <p:nvPr/>
+      </p:nvGrpSpPr>
+      <p:grpSpPr>
+        <a:xfrm>
+          <a:off x="0" y="0"/>
+          <a:ext cx="0" cy="0"/>
+          <a:chOff x="0" y="0"/>
+          <a:chExt cx="0" cy="0"/>
+        </a:xfrm>
+      </p:grpSpPr>
+      <p:sp>
+        <p:nvSpPr>
+          <p:cNvPr id="2" name="Title 1"/>
+          <p:cNvSpPr>
+            <a:spLocks noGrp="1"/>
+          </p:cNvSpPr>
+          <p:nvPr>
+            <p:ph type="title"/>
+          </p:nvPr>
+        </p:nvSpPr>
+        <p:spPr>
+          <a:xfrm>
+            <a:off x="838200" y="365125"/>
+            <a:ext cx="6136341" cy="325157"/>
+          </a:xfrm>
+        </p:spPr>
+        <p:txBody>
+          <a:bodyPr>
+            <a:noAutofit/>
+          </a:bodyPr>
+          <a:lstStyle/>
+          <a:p>
+            <a:r>
+              <a:rPr lang="en-US" altLang="zh-CN" sz="2000" dirty="0" smtClean="0"/>
+              <a:t>CEE 362G Project 1 Problem1</a:t>
+            </a:r>
+            <a:endParaRPr lang="zh-CN" altLang="en-US" sz="2000" dirty="0"/>
+          </a:p>
+        </p:txBody>
+      </p:sp>
+    </p:spTree>
+    <p:extLst>
+      <p:ext uri="{BB962C8B-B14F-4D97-AF65-F5344CB8AC3E}">
+        <p14:creationId xmlns:p14="http://schemas.microsoft.com/office/powerpoint/2010/main" val="2543124456"/>
       </p:ext>
     </p:extLst>
   </p:cSld>

--- a/HW1.pptx
+++ b/HW1.pptx
@@ -15,7 +15,6 @@
     <p:sldId id="263" r:id="rId9"/>
     <p:sldId id="264" r:id="rId10"/>
     <p:sldId id="265" r:id="rId11"/>
-    <p:sldId id="266" r:id="rId12"/>
   </p:sldIdLst>
   <p:sldSz cx="12192000" cy="6858000"/>
   <p:notesSz cx="6858000" cy="9144000"/>
@@ -3083,9 +3082,79 @@
           <a:p>
             <a:r>
               <a:rPr lang="en-US" altLang="zh-CN" sz="2000" dirty="0" smtClean="0"/>
-              <a:t>CEE 362G Project 1 Problem1</a:t>
+              <a:t>CEE 362G Project 1 </a:t>
+            </a:r>
+            <a:r>
+              <a:rPr lang="en-US" altLang="zh-CN" sz="2000" dirty="0" smtClean="0"/>
+              <a:t>Problem7</a:t>
             </a:r>
             <a:endParaRPr lang="zh-CN" altLang="en-US" sz="2000" dirty="0"/>
+          </a:p>
+        </p:txBody>
+      </p:sp>
+      <p:pic>
+        <p:nvPicPr>
+          <p:cNvPr id="3" name="Picture 2"/>
+          <p:cNvPicPr/>
+          <p:nvPr/>
+        </p:nvPicPr>
+        <p:blipFill rotWithShape="1">
+          <a:blip r:embed="rId2" cstate="print">
+            <a:extLst>
+              <a:ext uri="{28A0092B-C50C-407E-A947-70E740481C1C}">
+                <a14:useLocalDpi xmlns:a14="http://schemas.microsoft.com/office/drawing/2010/main" val="0"/>
+              </a:ext>
+            </a:extLst>
+          </a:blip>
+          <a:srcRect l="9775" r="6731"/>
+          <a:stretch/>
+        </p:blipFill>
+        <p:spPr bwMode="auto">
+          <a:xfrm>
+            <a:off x="717177" y="690282"/>
+            <a:ext cx="10488706" cy="5351930"/>
+          </a:xfrm>
+          <a:prstGeom prst="rect">
+            <a:avLst/>
+          </a:prstGeom>
+          <a:ln>
+            <a:noFill/>
+          </a:ln>
+          <a:extLst>
+            <a:ext uri="{53640926-AAD7-44D8-BBD7-CCE9431645EC}">
+              <a14:shadowObscured xmlns:a14="http://schemas.microsoft.com/office/drawing/2010/main"/>
+            </a:ext>
+          </a:extLst>
+        </p:spPr>
+      </p:pic>
+      <p:sp>
+        <p:nvSpPr>
+          <p:cNvPr id="4" name="Rectangle 3"/>
+          <p:cNvSpPr/>
+          <p:nvPr/>
+        </p:nvSpPr>
+        <p:spPr>
+          <a:xfrm>
+            <a:off x="2950160" y="5857546"/>
+            <a:ext cx="6022739" cy="369332"/>
+          </a:xfrm>
+          <a:prstGeom prst="rect">
+            <a:avLst/>
+          </a:prstGeom>
+        </p:spPr>
+        <p:txBody>
+          <a:bodyPr wrap="none">
+            <a:spAutoFit/>
+          </a:bodyPr>
+          <a:lstStyle/>
+          <a:p>
+            <a:r>
+              <a:rPr lang="en-US" altLang="zh-CN" dirty="0">
+                <a:latin typeface="Times New Roman" panose="02020603050405020304" pitchFamily="18" charset="0"/>
+              </a:rPr>
+              <a:t>Ten conditional realizations of s(t) with exponential covariance</a:t>
+            </a:r>
+            <a:endParaRPr lang="zh-CN" altLang="en-US" dirty="0"/>
           </a:p>
         </p:txBody>
       </p:sp>
@@ -3093,66 +3162,6 @@
     <p:extLst>
       <p:ext uri="{BB962C8B-B14F-4D97-AF65-F5344CB8AC3E}">
         <p14:creationId xmlns:p14="http://schemas.microsoft.com/office/powerpoint/2010/main" val="2974348956"/>
-      </p:ext>
-    </p:extLst>
-  </p:cSld>
-  <p:clrMapOvr>
-    <a:masterClrMapping/>
-  </p:clrMapOvr>
-</p:sld>
-</file>
-
-<file path=ppt/slides/slide11.xml><?xml version="1.0" encoding="utf-8"?>
-<p:sld xmlns:a="http://schemas.openxmlformats.org/drawingml/2006/main" xmlns:r="http://schemas.openxmlformats.org/officeDocument/2006/relationships" xmlns:p="http://schemas.openxmlformats.org/presentationml/2006/main">
-  <p:cSld>
-    <p:spTree>
-      <p:nvGrpSpPr>
-        <p:cNvPr id="1" name=""/>
-        <p:cNvGrpSpPr/>
-        <p:nvPr/>
-      </p:nvGrpSpPr>
-      <p:grpSpPr>
-        <a:xfrm>
-          <a:off x="0" y="0"/>
-          <a:ext cx="0" cy="0"/>
-          <a:chOff x="0" y="0"/>
-          <a:chExt cx="0" cy="0"/>
-        </a:xfrm>
-      </p:grpSpPr>
-      <p:sp>
-        <p:nvSpPr>
-          <p:cNvPr id="2" name="Title 1"/>
-          <p:cNvSpPr>
-            <a:spLocks noGrp="1"/>
-          </p:cNvSpPr>
-          <p:nvPr>
-            <p:ph type="title"/>
-          </p:nvPr>
-        </p:nvSpPr>
-        <p:spPr>
-          <a:xfrm>
-            <a:off x="838200" y="365125"/>
-            <a:ext cx="6136341" cy="325157"/>
-          </a:xfrm>
-        </p:spPr>
-        <p:txBody>
-          <a:bodyPr>
-            <a:noAutofit/>
-          </a:bodyPr>
-          <a:lstStyle/>
-          <a:p>
-            <a:r>
-              <a:rPr lang="en-US" altLang="zh-CN" sz="2000" dirty="0" smtClean="0"/>
-              <a:t>CEE 362G Project 1 Problem1</a:t>
-            </a:r>
-            <a:endParaRPr lang="zh-CN" altLang="en-US" sz="2000" dirty="0"/>
-          </a:p>
-        </p:txBody>
-      </p:sp>
-    </p:spTree>
-    <p:extLst>
-      <p:ext uri="{BB962C8B-B14F-4D97-AF65-F5344CB8AC3E}">
-        <p14:creationId xmlns:p14="http://schemas.microsoft.com/office/powerpoint/2010/main" val="2610991580"/>
       </p:ext>
     </p:extLst>
   </p:cSld>
@@ -3889,11 +3898,7 @@
           <a:p>
             <a:r>
               <a:rPr lang="en-US" altLang="zh-CN" sz="2000" dirty="0" smtClean="0"/>
-              <a:t>CEE 362G Project 1 </a:t>
-            </a:r>
-            <a:r>
-              <a:rPr lang="en-US" altLang="zh-CN" sz="2000" dirty="0" smtClean="0"/>
-              <a:t>Problem6</a:t>
+              <a:t>CEE 362G Project 1 Problem6</a:t>
             </a:r>
             <a:endParaRPr lang="zh-CN" altLang="en-US" sz="2000" dirty="0"/>
           </a:p>
@@ -3997,7 +4002,11 @@
             </a:r>
             <a:r>
               <a:rPr lang="en-US" altLang="zh-CN" dirty="0" smtClean="0"/>
-              <a:t> (left: e-3 right: </a:t>
+              <a:t>(s) </a:t>
+            </a:r>
+            <a:r>
+              <a:rPr lang="en-US" altLang="zh-CN" dirty="0" smtClean="0"/>
+              <a:t>(left: e-3 right: </a:t>
             </a:r>
             <a:r>
               <a:rPr lang="en-US" altLang="zh-CN" dirty="0" err="1" smtClean="0"/>
@@ -4065,11 +4074,7 @@
           <a:p>
             <a:r>
               <a:rPr lang="en-US" altLang="zh-CN" sz="2000" dirty="0" smtClean="0"/>
-              <a:t>CEE 362G Project 1 </a:t>
-            </a:r>
-            <a:r>
-              <a:rPr lang="en-US" altLang="zh-CN" sz="2000" dirty="0" smtClean="0"/>
-              <a:t>Problem6</a:t>
+              <a:t>CEE 362G Project 1 Problem6</a:t>
             </a:r>
             <a:endParaRPr lang="zh-CN" altLang="en-US" sz="2000" dirty="0"/>
           </a:p>
@@ -4250,12 +4255,250 @@
           <a:p>
             <a:r>
               <a:rPr lang="en-US" altLang="zh-CN" sz="2000" dirty="0" smtClean="0"/>
-              <a:t>CEE 362G Project 1 Problem1</a:t>
+              <a:t>CEE 362G Project 1 </a:t>
+            </a:r>
+            <a:r>
+              <a:rPr lang="en-US" altLang="zh-CN" sz="2000" dirty="0" smtClean="0"/>
+              <a:t>Problem6</a:t>
             </a:r>
             <a:endParaRPr lang="zh-CN" altLang="en-US" sz="2000" dirty="0"/>
           </a:p>
         </p:txBody>
       </p:sp>
+      <p:pic>
+        <p:nvPicPr>
+          <p:cNvPr id="3" name="Picture 2"/>
+          <p:cNvPicPr/>
+          <p:nvPr/>
+        </p:nvPicPr>
+        <p:blipFill rotWithShape="1">
+          <a:blip r:embed="rId2" cstate="print">
+            <a:extLst>
+              <a:ext uri="{28A0092B-C50C-407E-A947-70E740481C1C}">
+                <a14:useLocalDpi xmlns:a14="http://schemas.microsoft.com/office/drawing/2010/main" val="0"/>
+              </a:ext>
+            </a:extLst>
+          </a:blip>
+          <a:srcRect t="5194" b="7369"/>
+          <a:stretch/>
+        </p:blipFill>
+        <p:spPr bwMode="auto">
+          <a:xfrm>
+            <a:off x="-1" y="1053632"/>
+            <a:ext cx="6060141" cy="3043239"/>
+          </a:xfrm>
+          <a:prstGeom prst="rect">
+            <a:avLst/>
+          </a:prstGeom>
+          <a:ln>
+            <a:noFill/>
+          </a:ln>
+          <a:extLst>
+            <a:ext uri="{53640926-AAD7-44D8-BBD7-CCE9431645EC}">
+              <a14:shadowObscured xmlns:a14="http://schemas.microsoft.com/office/drawing/2010/main"/>
+            </a:ext>
+          </a:extLst>
+        </p:spPr>
+      </p:pic>
+      <p:pic>
+        <p:nvPicPr>
+          <p:cNvPr id="4" name="Picture 3"/>
+          <p:cNvPicPr/>
+          <p:nvPr/>
+        </p:nvPicPr>
+        <p:blipFill rotWithShape="1">
+          <a:blip r:embed="rId3" cstate="print">
+            <a:extLst>
+              <a:ext uri="{28A0092B-C50C-407E-A947-70E740481C1C}">
+                <a14:useLocalDpi xmlns:a14="http://schemas.microsoft.com/office/drawing/2010/main" val="0"/>
+              </a:ext>
+            </a:extLst>
+          </a:blip>
+          <a:srcRect t="5194" b="7080"/>
+          <a:stretch/>
+        </p:blipFill>
+        <p:spPr bwMode="auto">
+          <a:xfrm>
+            <a:off x="5571565" y="1053631"/>
+            <a:ext cx="6046694" cy="3043239"/>
+          </a:xfrm>
+          <a:prstGeom prst="rect">
+            <a:avLst/>
+          </a:prstGeom>
+          <a:ln>
+            <a:noFill/>
+          </a:ln>
+          <a:extLst>
+            <a:ext uri="{53640926-AAD7-44D8-BBD7-CCE9431645EC}">
+              <a14:shadowObscured xmlns:a14="http://schemas.microsoft.com/office/drawing/2010/main"/>
+            </a:ext>
+          </a:extLst>
+        </p:spPr>
+      </p:pic>
+      <p:sp>
+        <p:nvSpPr>
+          <p:cNvPr id="5" name="TextBox 4"/>
+          <p:cNvSpPr txBox="1"/>
+          <p:nvPr/>
+        </p:nvSpPr>
+        <p:spPr>
+          <a:xfrm>
+            <a:off x="116542" y="4275553"/>
+            <a:ext cx="4419600" cy="369332"/>
+          </a:xfrm>
+          <a:prstGeom prst="rect">
+            <a:avLst/>
+          </a:prstGeom>
+          <a:noFill/>
+        </p:spPr>
+        <p:txBody>
+          <a:bodyPr wrap="square" rtlCol="0">
+            <a:spAutoFit/>
+          </a:bodyPr>
+          <a:lstStyle/>
+          <a:p>
+            <a:pPr algn="ctr"/>
+            <a:r>
+              <a:rPr lang="en-US" altLang="zh-CN" dirty="0"/>
+              <a:t>Posterior standard deviation of s(t)</a:t>
+            </a:r>
+            <a:endParaRPr lang="zh-CN" altLang="en-US" dirty="0"/>
+          </a:p>
+        </p:txBody>
+      </p:sp>
+      <mc:AlternateContent xmlns:mc="http://schemas.openxmlformats.org/markup-compatibility/2006">
+        <mc:Choice xmlns:a14="http://schemas.microsoft.com/office/drawing/2010/main" Requires="a14">
+          <p:sp>
+            <p:nvSpPr>
+              <p:cNvPr id="6" name="Rectangle 5"/>
+              <p:cNvSpPr/>
+              <p:nvPr/>
+            </p:nvSpPr>
+            <p:spPr>
+              <a:xfrm>
+                <a:off x="6974541" y="4275553"/>
+                <a:ext cx="2504916" cy="369332"/>
+              </a:xfrm>
+              <a:prstGeom prst="rect">
+                <a:avLst/>
+              </a:prstGeom>
+            </p:spPr>
+            <p:txBody>
+              <a:bodyPr wrap="none">
+                <a:spAutoFit/>
+              </a:bodyPr>
+              <a:lstStyle/>
+              <a:p>
+                <a:r>
+                  <a:rPr lang="zh-CN" altLang="zh-CN" dirty="0">
+                    <a:ea typeface="Calibri" panose="020F0502020204030204" pitchFamily="34" charset="0"/>
+                    <a:cs typeface="Arial" panose="020B0604020202020204" pitchFamily="34" charset="0"/>
+                  </a:rPr>
+                  <a:t> </a:t>
+                </a:r>
+                <a14:m>
+                  <m:oMath xmlns:m="http://schemas.openxmlformats.org/officeDocument/2006/math">
+                    <m:acc>
+                      <m:accPr>
+                        <m:chr m:val="̂"/>
+                        <m:ctrlPr>
+                          <a:rPr lang="zh-CN" altLang="zh-CN" i="1">
+                            <a:effectLst/>
+                            <a:latin typeface="Cambria Math" panose="02040503050406030204" pitchFamily="18" charset="0"/>
+                            <a:ea typeface="Cambria Math" panose="02040503050406030204" pitchFamily="18" charset="0"/>
+                          </a:rPr>
+                        </m:ctrlPr>
+                      </m:accPr>
+                      <m:e>
+                        <m:r>
+                          <a:rPr lang="en-US" altLang="zh-CN" i="1">
+                            <a:latin typeface="Cambria Math" panose="02040503050406030204" pitchFamily="18" charset="0"/>
+                            <a:cs typeface="Arial" panose="020B0604020202020204" pitchFamily="34" charset="0"/>
+                          </a:rPr>
+                          <m:t>𝑦</m:t>
+                        </m:r>
+                      </m:e>
+                    </m:acc>
+                    <m:d>
+                      <m:dPr>
+                        <m:ctrlPr>
+                          <a:rPr lang="zh-CN" altLang="zh-CN" i="1">
+                            <a:effectLst/>
+                            <a:latin typeface="Cambria Math" panose="02040503050406030204" pitchFamily="18" charset="0"/>
+                            <a:ea typeface="Cambria Math" panose="02040503050406030204" pitchFamily="18" charset="0"/>
+                          </a:rPr>
+                        </m:ctrlPr>
+                      </m:dPr>
+                      <m:e>
+                        <m:r>
+                          <a:rPr lang="en-US" altLang="zh-CN" i="1">
+                            <a:latin typeface="Cambria Math" panose="02040503050406030204" pitchFamily="18" charset="0"/>
+                            <a:cs typeface="Arial" panose="020B0604020202020204" pitchFamily="34" charset="0"/>
+                          </a:rPr>
+                          <m:t>𝑡</m:t>
+                        </m:r>
+                      </m:e>
+                    </m:d>
+                  </m:oMath>
+                </a14:m>
+                <a:r>
+                  <a:rPr lang="en-US" altLang="zh-CN" dirty="0">
+                    <a:latin typeface="Calibri" panose="020F0502020204030204" pitchFamily="34" charset="0"/>
+                    <a:cs typeface="Arial" panose="020B0604020202020204" pitchFamily="34" charset="0"/>
+                  </a:rPr>
+                  <a:t> compared with </a:t>
+                </a:r>
+                <a:r>
+                  <a:rPr lang="en-US" altLang="zh-CN" i="1" dirty="0">
+                    <a:latin typeface="Calibri" panose="020F0502020204030204" pitchFamily="34" charset="0"/>
+                    <a:cs typeface="Arial" panose="020B0604020202020204" pitchFamily="34" charset="0"/>
+                  </a:rPr>
+                  <a:t>y(t)</a:t>
+                </a:r>
+                <a:endParaRPr lang="zh-CN" altLang="en-US" dirty="0"/>
+              </a:p>
+            </p:txBody>
+          </p:sp>
+        </mc:Choice>
+        <mc:Fallback>
+          <p:sp>
+            <p:nvSpPr>
+              <p:cNvPr id="6" name="Rectangle 5"/>
+              <p:cNvSpPr>
+                <a:spLocks noRot="1" noChangeAspect="1" noMove="1" noResize="1" noEditPoints="1" noAdjustHandles="1" noChangeArrowheads="1" noChangeShapeType="1" noTextEdit="1"/>
+              </p:cNvSpPr>
+              <p:nvPr/>
+            </p:nvSpPr>
+            <p:spPr>
+              <a:xfrm>
+                <a:off x="6974541" y="4275553"/>
+                <a:ext cx="2504916" cy="369332"/>
+              </a:xfrm>
+              <a:prstGeom prst="rect">
+                <a:avLst/>
+              </a:prstGeom>
+              <a:blipFill rotWithShape="0">
+                <a:blip r:embed="rId4"/>
+                <a:stretch>
+                  <a:fillRect t="-8197" r="-1703" b="-24590"/>
+                </a:stretch>
+              </a:blipFill>
+            </p:spPr>
+            <p:txBody>
+              <a:bodyPr/>
+              <a:lstStyle/>
+              <a:p>
+                <a:r>
+                  <a:rPr lang="zh-CN" altLang="en-US">
+                    <a:noFill/>
+                  </a:rPr>
+                  <a:t> </a:t>
+                </a:r>
+              </a:p>
+            </p:txBody>
+          </p:sp>
+        </mc:Fallback>
+      </mc:AlternateContent>
     </p:spTree>
     <p:extLst>
       <p:ext uri="{BB962C8B-B14F-4D97-AF65-F5344CB8AC3E}">

--- a/HW1.pptx
+++ b/HW1.pptx
@@ -3082,11 +3082,7 @@
           <a:p>
             <a:r>
               <a:rPr lang="en-US" altLang="zh-CN" sz="2000" dirty="0" smtClean="0"/>
-              <a:t>CEE 362G Project 1 </a:t>
-            </a:r>
-            <a:r>
-              <a:rPr lang="en-US" altLang="zh-CN" sz="2000" dirty="0" smtClean="0"/>
-              <a:t>Problem7</a:t>
+              <a:t>CEE 362G Project 1 Problem7</a:t>
             </a:r>
             <a:endParaRPr lang="zh-CN" altLang="en-US" sz="2000" dirty="0"/>
           </a:p>
@@ -4002,11 +3998,7 @@
             </a:r>
             <a:r>
               <a:rPr lang="en-US" altLang="zh-CN" dirty="0" smtClean="0"/>
-              <a:t>(s) </a:t>
-            </a:r>
-            <a:r>
-              <a:rPr lang="en-US" altLang="zh-CN" dirty="0" smtClean="0"/>
-              <a:t>(left: e-3 right: </a:t>
+              <a:t>(s) (left: e-3 right: </a:t>
             </a:r>
             <a:r>
               <a:rPr lang="en-US" altLang="zh-CN" dirty="0" err="1" smtClean="0"/>
@@ -4255,11 +4247,7 @@
           <a:p>
             <a:r>
               <a:rPr lang="en-US" altLang="zh-CN" sz="2000" dirty="0" smtClean="0"/>
-              <a:t>CEE 362G Project 1 </a:t>
-            </a:r>
-            <a:r>
-              <a:rPr lang="en-US" altLang="zh-CN" sz="2000" dirty="0" smtClean="0"/>
-              <a:t>Problem6</a:t>
+              <a:t>CEE 362G Project 1 Problem6</a:t>
             </a:r>
             <a:endParaRPr lang="zh-CN" altLang="en-US" sz="2000" dirty="0"/>
           </a:p>
@@ -4366,8 +4354,8 @@
           </a:p>
         </p:txBody>
       </p:sp>
-      <mc:AlternateContent xmlns:mc="http://schemas.openxmlformats.org/markup-compatibility/2006">
-        <mc:Choice xmlns:a14="http://schemas.microsoft.com/office/drawing/2010/main" Requires="a14">
+      <mc:AlternateContent xmlns:mc="http://schemas.openxmlformats.org/markup-compatibility/2006" xmlns:a14="http://schemas.microsoft.com/office/drawing/2010/main">
+        <mc:Choice Requires="a14">
           <p:sp>
             <p:nvSpPr>
               <p:cNvPr id="6" name="Rectangle 5"/>
@@ -4460,7 +4448,7 @@
             </p:txBody>
           </p:sp>
         </mc:Choice>
-        <mc:Fallback>
+        <mc:Fallback xmlns="">
           <p:sp>
             <p:nvSpPr>
               <p:cNvPr id="6" name="Rectangle 5"/>
